--- a/Complimentary Course Content/Module6/Lessons/Module6_Lesson5 Event data collection.pptx
+++ b/Complimentary Course Content/Module6/Lessons/Module6_Lesson5 Event data collection.pptx
@@ -169,7 +169,7 @@
       </p14:sectionLst>
     </p:ext>
     <p:ext uri="{EFAFB233-063F-42B5-8137-9DF3F51BA10A}">
-      <p15:sldGuideLst xmlns:p15="http://schemas.microsoft.com/office/powerpoint/2012/main" xmlns="">
+      <p15:sldGuideLst xmlns="" xmlns:p15="http://schemas.microsoft.com/office/powerpoint/2012/main">
         <p15:guide id="1" orient="horz" pos="2137" userDrawn="1">
           <p15:clr>
             <a:srgbClr val="A4A3A4"/>
@@ -183,7 +183,7 @@
       </p15:sldGuideLst>
     </p:ext>
     <p:ext uri="{2D200454-40CA-4A62-9FC3-DE9A4176ACB9}">
-      <p15:notesGuideLst xmlns:p15="http://schemas.microsoft.com/office/powerpoint/2012/main" xmlns=""/>
+      <p15:notesGuideLst xmlns="" xmlns:p15="http://schemas.microsoft.com/office/powerpoint/2012/main"/>
     </p:ext>
   </p:extLst>
 </p:presentation>
@@ -279,7 +279,7 @@
             <a:fld id="{30A74B2F-3EEF-410A-B738-5B66A46A3256}" type="datetimeFigureOut">
               <a:rPr lang="en-US" smtClean="0"/>
               <a:pPr/>
-              <a:t>6/14/16</a:t>
+              <a:t>7/12/16</a:t>
             </a:fld>
             <a:endParaRPr lang="en-US"/>
           </a:p>
@@ -446,7 +446,7 @@
             <a:fld id="{2E5CA586-3557-4985-BCD4-35EF5AC8B4A4}" type="datetimeFigureOut">
               <a:rPr lang="en-US" smtClean="0"/>
               <a:pPr/>
-              <a:t>6/14/16</a:t>
+              <a:t>7/12/16</a:t>
             </a:fld>
             <a:endParaRPr lang="en-US"/>
           </a:p>
@@ -3145,8 +3145,62 @@
           <a:lstStyle/>
           <a:p>
             <a:pPr marL="0" indent="0">
+              <a:buFont typeface="Arial"/>
               <a:buNone/>
             </a:pPr>
+            <a:r>
+              <a:rPr lang="en-US" b="1" smtClean="0"/>
+              <a:t>Notes:</a:t>
+            </a:r>
+          </a:p>
+          <a:p>
+            <a:pPr marL="171450" indent="-171450">
+              <a:buFont typeface="Arial"/>
+              <a:buChar char="•"/>
+            </a:pPr>
+            <a:r>
+              <a:rPr lang="en-US" dirty="0" smtClean="0"/>
+              <a:t>The Module 6 Lesson 5 Lab should</a:t>
+            </a:r>
+            <a:r>
+              <a:rPr lang="en-US" baseline="0" dirty="0" smtClean="0"/>
+              <a:t> be completed at this time:</a:t>
+            </a:r>
+            <a:endParaRPr lang="en-US" dirty="0" smtClean="0"/>
+          </a:p>
+          <a:p>
+            <a:pPr marL="628650" lvl="1" indent="-171450">
+              <a:buFont typeface="Arial"/>
+              <a:buChar char="•"/>
+            </a:pPr>
+            <a:r>
+              <a:rPr lang="en-US" dirty="0" smtClean="0"/>
+              <a:t>https://</a:t>
+            </a:r>
+            <a:r>
+              <a:rPr lang="en-US" dirty="0" err="1" smtClean="0"/>
+              <a:t>github.com</a:t>
+            </a:r>
+            <a:r>
+              <a:rPr lang="en-US" dirty="0" smtClean="0"/>
+              <a:t>/</a:t>
+            </a:r>
+            <a:r>
+              <a:rPr lang="en-US" dirty="0" err="1" smtClean="0"/>
+              <a:t>MSFTImagine</a:t>
+            </a:r>
+            <a:r>
+              <a:rPr lang="en-US" dirty="0" smtClean="0"/>
+              <a:t>/</a:t>
+            </a:r>
+            <a:r>
+              <a:rPr lang="en-US" dirty="0" err="1" smtClean="0"/>
+              <a:t>computerscience</a:t>
+            </a:r>
+            <a:r>
+              <a:rPr lang="en-US" dirty="0" smtClean="0"/>
+              <a:t>/tree/master/Complimentary%20Course%20Content/Module6/Labs</a:t>
+            </a:r>
             <a:endParaRPr lang="en-US" dirty="0"/>
           </a:p>
         </p:txBody>
@@ -12360,7 +12414,7 @@
                 <a:latin typeface="Segoe UI"/>
               </a:rPr>
               <a:pPr/>
-              <a:t>6/14/16</a:t>
+              <a:t>7/12/16</a:t>
             </a:fld>
             <a:endParaRPr lang="en-US">
               <a:solidFill>
@@ -12565,7 +12619,7 @@
                 <a:latin typeface="Segoe UI"/>
               </a:rPr>
               <a:pPr/>
-              <a:t>6/14/16</a:t>
+              <a:t>7/12/16</a:t>
             </a:fld>
             <a:endParaRPr lang="en-US">
               <a:solidFill>
@@ -12863,7 +12917,7 @@
                 <a:latin typeface="Segoe UI"/>
               </a:rPr>
               <a:pPr/>
-              <a:t>6/14/16</a:t>
+              <a:t>7/12/16</a:t>
             </a:fld>
             <a:endParaRPr lang="en-US">
               <a:solidFill>
@@ -13207,7 +13261,7 @@
                 <a:latin typeface="Segoe UI"/>
               </a:rPr>
               <a:pPr/>
-              <a:t>6/14/16</a:t>
+              <a:t>7/12/16</a:t>
             </a:fld>
             <a:endParaRPr lang="en-US">
               <a:solidFill>
@@ -13582,7 +13636,7 @@
                 <a:latin typeface="Segoe UI"/>
               </a:rPr>
               <a:pPr/>
-              <a:t>6/14/16</a:t>
+              <a:t>7/12/16</a:t>
             </a:fld>
             <a:endParaRPr lang="en-US">
               <a:solidFill>
@@ -14893,7 +14947,7 @@
                 <a:latin typeface="Segoe UI"/>
               </a:rPr>
               <a:pPr/>
-              <a:t>6/14/16</a:t>
+              <a:t>7/12/16</a:t>
             </a:fld>
             <a:endParaRPr lang="en-US">
               <a:solidFill>
@@ -15294,7 +15348,7 @@
                 <a:latin typeface="Segoe UI"/>
               </a:rPr>
               <a:pPr/>
-              <a:t>6/14/16</a:t>
+              <a:t>7/12/16</a:t>
             </a:fld>
             <a:endParaRPr lang="en-US">
               <a:solidFill>
@@ -15448,7 +15502,7 @@
                 <a:latin typeface="Segoe UI"/>
               </a:rPr>
               <a:pPr/>
-              <a:t>6/14/16</a:t>
+              <a:t>7/12/16</a:t>
             </a:fld>
             <a:endParaRPr lang="en-US">
               <a:solidFill>
@@ -15580,7 +15634,7 @@
                 <a:latin typeface="Segoe UI"/>
               </a:rPr>
               <a:pPr/>
-              <a:t>6/14/16</a:t>
+              <a:t>7/12/16</a:t>
             </a:fld>
             <a:endParaRPr lang="en-US">
               <a:solidFill>
@@ -15892,7 +15946,7 @@
                 <a:latin typeface="Segoe UI"/>
               </a:rPr>
               <a:pPr/>
-              <a:t>6/14/16</a:t>
+              <a:t>7/12/16</a:t>
             </a:fld>
             <a:endParaRPr lang="en-US">
               <a:solidFill>
@@ -16181,7 +16235,7 @@
                 <a:latin typeface="Segoe UI"/>
               </a:rPr>
               <a:pPr/>
-              <a:t>6/14/16</a:t>
+              <a:t>7/12/16</a:t>
             </a:fld>
             <a:endParaRPr lang="en-US">
               <a:solidFill>
@@ -16386,7 +16440,7 @@
                 <a:latin typeface="Segoe UI"/>
               </a:rPr>
               <a:pPr/>
-              <a:t>6/14/16</a:t>
+              <a:t>7/12/16</a:t>
             </a:fld>
             <a:endParaRPr lang="en-US">
               <a:solidFill>
@@ -16601,7 +16655,7 @@
                 <a:latin typeface="Segoe UI"/>
               </a:rPr>
               <a:pPr/>
-              <a:t>6/14/16</a:t>
+              <a:t>7/12/16</a:t>
             </a:fld>
             <a:endParaRPr lang="en-US">
               <a:solidFill>
@@ -16844,7 +16898,7 @@
                 <a:latin typeface="Segoe UI"/>
               </a:rPr>
               <a:pPr/>
-              <a:t>6/14/16</a:t>
+              <a:t>7/12/16</a:t>
             </a:fld>
             <a:endParaRPr lang="en-US">
               <a:solidFill>
@@ -17049,7 +17103,7 @@
                 <a:latin typeface="Segoe UI"/>
               </a:rPr>
               <a:pPr/>
-              <a:t>6/14/16</a:t>
+              <a:t>7/12/16</a:t>
             </a:fld>
             <a:endParaRPr lang="en-US">
               <a:solidFill>
@@ -17804,7 +17858,7 @@
                 <a:latin typeface="Segoe UI"/>
               </a:rPr>
               <a:pPr/>
-              <a:t>6/14/16</a:t>
+              <a:t>7/12/16</a:t>
             </a:fld>
             <a:endParaRPr lang="en-US">
               <a:solidFill>
@@ -18148,7 +18202,7 @@
                 <a:latin typeface="Segoe UI"/>
               </a:rPr>
               <a:pPr/>
-              <a:t>6/14/16</a:t>
+              <a:t>7/12/16</a:t>
             </a:fld>
             <a:endParaRPr lang="en-US">
               <a:solidFill>
@@ -18523,7 +18577,7 @@
                 <a:latin typeface="Segoe UI"/>
               </a:rPr>
               <a:pPr/>
-              <a:t>6/14/16</a:t>
+              <a:t>7/12/16</a:t>
             </a:fld>
             <a:endParaRPr lang="en-US">
               <a:solidFill>
@@ -19467,7 +19521,7 @@
                 <a:latin typeface="Segoe UI"/>
               </a:rPr>
               <a:pPr/>
-              <a:t>6/14/16</a:t>
+              <a:t>7/12/16</a:t>
             </a:fld>
             <a:endParaRPr lang="en-US">
               <a:solidFill>
@@ -19868,7 +19922,7 @@
                 <a:latin typeface="Segoe UI"/>
               </a:rPr>
               <a:pPr/>
-              <a:t>6/14/16</a:t>
+              <a:t>7/12/16</a:t>
             </a:fld>
             <a:endParaRPr lang="en-US">
               <a:solidFill>
@@ -20022,7 +20076,7 @@
                 <a:latin typeface="Segoe UI"/>
               </a:rPr>
               <a:pPr/>
-              <a:t>6/14/16</a:t>
+              <a:t>7/12/16</a:t>
             </a:fld>
             <a:endParaRPr lang="en-US">
               <a:solidFill>
@@ -20154,7 +20208,7 @@
                 <a:latin typeface="Segoe UI"/>
               </a:rPr>
               <a:pPr/>
-              <a:t>6/14/16</a:t>
+              <a:t>7/12/16</a:t>
             </a:fld>
             <a:endParaRPr lang="en-US">
               <a:solidFill>
@@ -21029,7 +21083,7 @@
                 <a:latin typeface="Segoe UI"/>
               </a:rPr>
               <a:pPr/>
-              <a:t>6/14/16</a:t>
+              <a:t>7/12/16</a:t>
             </a:fld>
             <a:endParaRPr lang="en-US">
               <a:solidFill>
@@ -21318,7 +21372,7 @@
                 <a:latin typeface="Segoe UI"/>
               </a:rPr>
               <a:pPr/>
-              <a:t>6/14/16</a:t>
+              <a:t>7/12/16</a:t>
             </a:fld>
             <a:endParaRPr lang="en-US">
               <a:solidFill>
@@ -21523,7 +21577,7 @@
                 <a:latin typeface="Segoe UI"/>
               </a:rPr>
               <a:pPr/>
-              <a:t>6/14/16</a:t>
+              <a:t>7/12/16</a:t>
             </a:fld>
             <a:endParaRPr lang="en-US">
               <a:solidFill>
@@ -21738,7 +21792,7 @@
                 <a:latin typeface="Segoe UI"/>
               </a:rPr>
               <a:pPr/>
-              <a:t>6/14/16</a:t>
+              <a:t>7/12/16</a:t>
             </a:fld>
             <a:endParaRPr lang="en-US">
               <a:solidFill>
@@ -23423,7 +23477,7 @@
                 <a:latin typeface="Segoe UI"/>
               </a:rPr>
               <a:pPr/>
-              <a:t>6/14/16</a:t>
+              <a:t>7/12/16</a:t>
             </a:fld>
             <a:endParaRPr lang="en-US">
               <a:solidFill>
@@ -24003,7 +24057,7 @@
                 <a:latin typeface="Segoe UI"/>
               </a:rPr>
               <a:pPr/>
-              <a:t>6/14/16</a:t>
+              <a:t>7/12/16</a:t>
             </a:fld>
             <a:endParaRPr lang="en-US">
               <a:solidFill>
@@ -25388,11 +25442,6 @@
               </a:rPr>
               <a:t>Partition 1</a:t>
             </a:r>
-            <a:endParaRPr lang="en-US" dirty="0" smtClean="0">
-              <a:solidFill>
-                <a:schemeClr val="tx1"/>
-              </a:solidFill>
-            </a:endParaRPr>
           </a:p>
         </p:txBody>
       </p:sp>
@@ -31506,11 +31555,7 @@
           <a:p>
             <a:r>
               <a:rPr lang="en-US" sz="1800" noProof="1"/>
-              <a:t>namespaceManager.DeleteEventHubAsync("Event Hub name").Wait(</a:t>
-            </a:r>
-            <a:r>
-              <a:rPr lang="en-US" sz="1800" noProof="1"/>
-              <a:t>)</a:t>
+              <a:t>namespaceManager.DeleteEventHubAsync("Event Hub name").Wait()</a:t>
             </a:r>
             <a:r>
               <a:rPr lang="en-US" sz="1800" noProof="1" smtClean="0"/>
@@ -31761,11 +31806,7 @@
             </a:r>
             <a:r>
               <a:rPr lang="en-US" dirty="0" smtClean="0"/>
-              <a:t>to</a:t>
-            </a:r>
-            <a:r>
-              <a:rPr lang="en-US" dirty="0" smtClean="0"/>
-              <a:t> </a:t>
+              <a:t>to </a:t>
             </a:r>
             <a:r>
               <a:rPr lang="en-US" dirty="0"/>
@@ -42124,7 +42165,7 @@
   <a:extraClrSchemeLst/>
   <a:extLst>
     <a:ext uri="{05A4C25C-085E-4340-85A3-A5531E510DB2}">
-      <thm15:themeFamily xmlns:thm15="http://schemas.microsoft.com/office/thememl/2012/main" xmlns="" name="Azure4ResearchTemplate" id="{DD1C6CE8-BDBA-0D4F-9930-3643ABC8EF0E}" vid="{B5C66FD7-0952-994B-96D6-AB3BB89097FE}"/>
+      <thm15:themeFamily xmlns="" xmlns:thm15="http://schemas.microsoft.com/office/thememl/2012/main" name="Azure4ResearchTemplate" id="{DD1C6CE8-BDBA-0D4F-9930-3643ABC8EF0E}" vid="{B5C66FD7-0952-994B-96D6-AB3BB89097FE}"/>
     </a:ext>
   </a:extLst>
 </a:theme>
@@ -42393,7 +42434,7 @@
   <a:extraClrSchemeLst/>
   <a:extLst>
     <a:ext uri="{05A4C25C-085E-4340-85A3-A5531E510DB2}">
-      <thm15:themeFamily xmlns:thm15="http://schemas.microsoft.com/office/thememl/2012/main" xmlns="" name="Office Theme" id="{62F939B6-93AF-4DB8-9C6B-D6C7DFDC589F}" vid="{4A3C46E8-61CC-4603-A589-7422A47A8E4A}"/>
+      <thm15:themeFamily xmlns="" xmlns:thm15="http://schemas.microsoft.com/office/thememl/2012/main" name="Office Theme" id="{62F939B6-93AF-4DB8-9C6B-D6C7DFDC589F}" vid="{4A3C46E8-61CC-4603-A589-7422A47A8E4A}"/>
     </a:ext>
   </a:extLst>
 </a:theme>
@@ -42662,7 +42703,7 @@
   <a:extraClrSchemeLst/>
   <a:extLst>
     <a:ext uri="{05A4C25C-085E-4340-85A3-A5531E510DB2}">
-      <thm15:themeFamily xmlns:thm15="http://schemas.microsoft.com/office/thememl/2012/main" xmlns="" name="Office Theme" id="{62F939B6-93AF-4DB8-9C6B-D6C7DFDC589F}" vid="{4A3C46E8-61CC-4603-A589-7422A47A8E4A}"/>
+      <thm15:themeFamily xmlns="" xmlns:thm15="http://schemas.microsoft.com/office/thememl/2012/main" name="Office Theme" id="{62F939B6-93AF-4DB8-9C6B-D6C7DFDC589F}" vid="{4A3C46E8-61CC-4603-A589-7422A47A8E4A}"/>
     </a:ext>
   </a:extLst>
 </a:theme>
@@ -42923,7 +42964,7 @@
   <a:extraClrSchemeLst/>
   <a:extLst>
     <a:ext uri="{05A4C25C-085E-4340-85A3-A5531E510DB2}">
-      <thm15:themeFamily xmlns:thm15="http://schemas.microsoft.com/office/thememl/2012/main" xmlns="" name="Office Theme" id="{62F939B6-93AF-4DB8-9C6B-D6C7DFDC589F}" vid="{4A3C46E8-61CC-4603-A589-7422A47A8E4A}"/>
+      <thm15:themeFamily xmlns="" xmlns:thm15="http://schemas.microsoft.com/office/thememl/2012/main" name="Office Theme" id="{62F939B6-93AF-4DB8-9C6B-D6C7DFDC589F}" vid="{4A3C46E8-61CC-4603-A589-7422A47A8E4A}"/>
     </a:ext>
   </a:extLst>
 </a:theme>
@@ -43218,7 +43259,7 @@
   <a:extraClrSchemeLst/>
   <a:extLst>
     <a:ext uri="{05A4C25C-085E-4340-85A3-A5531E510DB2}">
-      <thm15:themeFamily xmlns:thm15="http://schemas.microsoft.com/office/thememl/2012/main" xmlns="" name="Office Theme" id="{62F939B6-93AF-4DB8-9C6B-D6C7DFDC589F}" vid="{4A3C46E8-61CC-4603-A589-7422A47A8E4A}"/>
+      <thm15:themeFamily xmlns="" xmlns:thm15="http://schemas.microsoft.com/office/thememl/2012/main" name="Office Theme" id="{62F939B6-93AF-4DB8-9C6B-D6C7DFDC589F}" vid="{4A3C46E8-61CC-4603-A589-7422A47A8E4A}"/>
     </a:ext>
   </a:extLst>
 </a:theme>
